--- a/neo4j-lecture/图的数据库neo4j数据结构及图搜索.pptx
+++ b/neo4j-lecture/图的数据库neo4j数据结构及图搜索.pptx
@@ -548,19 +548,12 @@
               <a:t>demo</a:t>
             </a:r>
             <a:r>
-              <a:rPr lang="zh-CN" altLang="en-US" dirty="0" smtClean="0"/>
+              <a:rPr lang="zh-CN" altLang="en-US" smtClean="0"/>
               <a:t>：</a:t>
             </a:r>
             <a:r>
               <a:rPr lang="en-US" altLang="zh-CN" dirty="0" smtClean="0"/>
               <a:t/>
-            </a:r>
-            <a:br>
-              <a:rPr lang="en-US" altLang="zh-CN" dirty="0" smtClean="0"/>
-            </a:br>
-            <a:r>
-              <a:rPr lang="en-US" altLang="zh-CN" dirty="0" smtClean="0"/>
-              <a:t>http://54.223.157.61:7474/browser/</a:t>
             </a:r>
             <a:br>
               <a:rPr lang="en-US" altLang="zh-CN" dirty="0" smtClean="0"/>
@@ -1884,6 +1877,13 @@
             <a:r>
               <a:rPr lang="zh-CN" altLang="en-US" dirty="0" smtClean="0"/>
               <a:t>，去讲</a:t>
+            </a:r>
+            <a:endParaRPr lang="en-US" altLang="zh-CN" dirty="0" smtClean="0"/>
+          </a:p>
+          <a:p>
+            <a:r>
+              <a:rPr lang="zh-CN" altLang="en-US" dirty="0" smtClean="0"/>
+              <a:t>其他数据结构不讲，通用的数据结构不讲，讲特有数据结构。</a:t>
             </a:r>
             <a:endParaRPr lang="en-US" dirty="0"/>
           </a:p>
@@ -7218,7 +7218,7 @@
                             </p:stCondLst>
                             <p:childTnLst>
                               <p:par>
-                                <p:cTn id="5" presetID="9" presetClass="entr" presetSubtype="0" fill="hold" grpId="0" nodeType="clickEffect">
+                                <p:cTn id="5" presetID="9" presetClass="entr" presetSubtype="0" fill="hold" nodeType="clickEffect">
                                   <p:stCondLst>
                                     <p:cond delay="0"/>
                                   </p:stCondLst>
@@ -7231,7 +7231,7 @@
                                           </p:stCondLst>
                                         </p:cTn>
                                         <p:tgtEl>
-                                          <p:spTgt spid="6"/>
+                                          <p:spTgt spid="7"/>
                                         </p:tgtEl>
                                         <p:attrNameLst>
                                           <p:attrName>style.visibility</p:attrName>
@@ -7245,7 +7245,7 @@
                                       <p:cBhvr>
                                         <p:cTn id="7" dur="500"/>
                                         <p:tgtEl>
-                                          <p:spTgt spid="6"/>
+                                          <p:spTgt spid="7"/>
                                         </p:tgtEl>
                                       </p:cBhvr>
                                     </p:animEffect>
@@ -7284,7 +7284,7 @@
                                           </p:stCondLst>
                                         </p:cTn>
                                         <p:tgtEl>
-                                          <p:spTgt spid="11"/>
+                                          <p:spTgt spid="6"/>
                                         </p:tgtEl>
                                         <p:attrNameLst>
                                           <p:attrName>style.visibility</p:attrName>
@@ -7298,7 +7298,7 @@
                                       <p:cBhvr>
                                         <p:cTn id="12" dur="500"/>
                                         <p:tgtEl>
-                                          <p:spTgt spid="11"/>
+                                          <p:spTgt spid="6"/>
                                         </p:tgtEl>
                                       </p:cBhvr>
                                     </p:animEffect>
@@ -7337,7 +7337,7 @@
                                           </p:stCondLst>
                                         </p:cTn>
                                         <p:tgtEl>
-                                          <p:spTgt spid="10"/>
+                                          <p:spTgt spid="11"/>
                                         </p:tgtEl>
                                         <p:attrNameLst>
                                           <p:attrName>style.visibility</p:attrName>
@@ -7351,7 +7351,7 @@
                                       <p:cBhvr>
                                         <p:cTn id="17" dur="500"/>
                                         <p:tgtEl>
-                                          <p:spTgt spid="10"/>
+                                          <p:spTgt spid="11"/>
                                         </p:tgtEl>
                                       </p:cBhvr>
                                     </p:animEffect>
@@ -7390,7 +7390,7 @@
                                           </p:stCondLst>
                                         </p:cTn>
                                         <p:tgtEl>
-                                          <p:spTgt spid="12"/>
+                                          <p:spTgt spid="10"/>
                                         </p:tgtEl>
                                         <p:attrNameLst>
                                           <p:attrName>style.visibility</p:attrName>
@@ -7404,7 +7404,7 @@
                                       <p:cBhvr>
                                         <p:cTn id="22" dur="500"/>
                                         <p:tgtEl>
-                                          <p:spTgt spid="12"/>
+                                          <p:spTgt spid="10"/>
                                         </p:tgtEl>
                                       </p:cBhvr>
                                     </p:animEffect>
@@ -7443,7 +7443,7 @@
                                           </p:stCondLst>
                                         </p:cTn>
                                         <p:tgtEl>
-                                          <p:spTgt spid="13"/>
+                                          <p:spTgt spid="12"/>
                                         </p:tgtEl>
                                         <p:attrNameLst>
                                           <p:attrName>style.visibility</p:attrName>
@@ -7457,7 +7457,7 @@
                                       <p:cBhvr>
                                         <p:cTn id="27" dur="500"/>
                                         <p:tgtEl>
-                                          <p:spTgt spid="13"/>
+                                          <p:spTgt spid="12"/>
                                         </p:tgtEl>
                                       </p:cBhvr>
                                     </p:animEffect>
@@ -7483,7 +7483,7 @@
                             </p:stCondLst>
                             <p:childTnLst>
                               <p:par>
-                                <p:cTn id="30" presetID="9" presetClass="entr" presetSubtype="0" fill="hold" nodeType="clickEffect">
+                                <p:cTn id="30" presetID="9" presetClass="entr" presetSubtype="0" fill="hold" grpId="0" nodeType="clickEffect">
                                   <p:stCondLst>
                                     <p:cond delay="0"/>
                                   </p:stCondLst>
@@ -7496,7 +7496,7 @@
                                           </p:stCondLst>
                                         </p:cTn>
                                         <p:tgtEl>
-                                          <p:spTgt spid="7"/>
+                                          <p:spTgt spid="13"/>
                                         </p:tgtEl>
                                         <p:attrNameLst>
                                           <p:attrName>style.visibility</p:attrName>
@@ -7510,7 +7510,7 @@
                                       <p:cBhvr>
                                         <p:cTn id="32" dur="500"/>
                                         <p:tgtEl>
-                                          <p:spTgt spid="7"/>
+                                          <p:spTgt spid="13"/>
                                         </p:tgtEl>
                                       </p:cBhvr>
                                     </p:animEffect>
@@ -8272,7 +8272,7 @@
                 <a:effectLst/>
                 <a:latin typeface="black Verdana" charset="0"/>
               </a:rPr>
-              <a:t>的存储示例图如下,每个</a:t>
+              <a:t>的存储示例图,每个</a:t>
             </a:r>
             <a:r>
               <a:rPr lang="en-US" dirty="0" err="1" smtClean="0"/>
@@ -8404,8 +8404,8 @@
         </p:blipFill>
         <p:spPr bwMode="auto">
           <a:xfrm>
-            <a:off x="2377620" y="1044596"/>
-            <a:ext cx="6384955" cy="5605463"/>
+            <a:off x="3280771" y="957461"/>
+            <a:ext cx="5630458" cy="4943077"/>
           </a:xfrm>
           <a:prstGeom prst="rect">
             <a:avLst/>
@@ -8451,6 +8451,45 @@
             <a:r>
               <a:rPr lang="zh-CN" altLang="en-US" dirty="0" smtClean="0"/>
               <a:t>的数据结构</a:t>
+            </a:r>
+            <a:endParaRPr lang="en-US" dirty="0"/>
+          </a:p>
+        </p:txBody>
+      </p:sp>
+      <p:sp>
+        <p:nvSpPr>
+          <p:cNvPr id="4" name="Rectangle 3"/>
+          <p:cNvSpPr/>
+          <p:nvPr/>
+        </p:nvSpPr>
+        <p:spPr>
+          <a:xfrm>
+            <a:off x="4703407" y="6159818"/>
+            <a:ext cx="2785186" cy="369332"/>
+          </a:xfrm>
+          <a:prstGeom prst="rect">
+            <a:avLst/>
+          </a:prstGeom>
+        </p:spPr>
+        <p:txBody>
+          <a:bodyPr wrap="none">
+            <a:spAutoFit/>
+          </a:bodyPr>
+          <a:lstStyle/>
+          <a:p>
+            <a:r>
+              <a:rPr lang="en-US" dirty="0" smtClean="0"/>
+              <a:t>Relationship</a:t>
+            </a:r>
+            <a:r>
+              <a:rPr lang="en-US" b="0" i="0" dirty="0" smtClean="0">
+                <a:solidFill>
+                  <a:srgbClr val="000000"/>
+                </a:solidFill>
+                <a:effectLst/>
+                <a:latin typeface="black Verdana" charset="0"/>
+              </a:rPr>
+              <a:t> 的存储示例图</a:t>
             </a:r>
             <a:endParaRPr lang="en-US" dirty="0"/>
           </a:p>
